--- a/07.Interacting with Tiny bit/1.IR Control/V2/IR ControlV2.pptx
+++ b/07.Interacting with Tiny bit/1.IR Control/V2/IR ControlV2.pptx
@@ -15564,8 +15564,8 @@
         </p:nvSpPr>
         <p:spPr bwMode="auto">
           <a:xfrm>
-            <a:off x="1292860" y="3260090"/>
-            <a:ext cx="9393555" cy="1198880"/>
+            <a:off x="1301115" y="2519045"/>
+            <a:ext cx="9393555" cy="2651760"/>
           </a:xfrm>
           <a:prstGeom prst="rect">
             <a:avLst/>
@@ -15578,7 +15578,7 @@
           <a:p>
             <a:pPr algn="just"/>
             <a:r>
-              <a:rPr sz="2400" b="1" dirty="0">
+              <a:rPr sz="1400" b="1" dirty="0">
                 <a:solidFill>
                   <a:srgbClr val="FF0000"/>
                 </a:solidFill>
@@ -15588,7 +15588,7 @@
               </a:rPr>
               <a:t>!!!Note:</a:t>
             </a:r>
-            <a:endParaRPr sz="2400" b="1" dirty="0">
+            <a:endParaRPr sz="1400" b="1" dirty="0">
               <a:solidFill>
                 <a:srgbClr val="FF0000"/>
               </a:solidFill>
@@ -15600,7 +15600,18 @@
           <a:p>
             <a:pPr algn="just"/>
             <a:r>
-              <a:rPr sz="2400" b="1" dirty="0">
+              <a:rPr lang="en-US" sz="1400" b="1" dirty="0">
+                <a:solidFill>
+                  <a:srgbClr val="FF0000"/>
+                </a:solidFill>
+                <a:latin typeface="华文中宋" charset="-122"/>
+                <a:ea typeface="华文中宋" charset="-122"/>
+                <a:cs typeface="华文中宋" charset="-122"/>
+              </a:rPr>
+              <a:t>1. </a:t>
+            </a:r>
+            <a:r>
+              <a:rPr sz="1400" b="1" dirty="0">
                 <a:solidFill>
                   <a:srgbClr val="FF0000"/>
                 </a:solidFill>
@@ -15610,9 +15621,108 @@
               </a:rPr>
               <a:t>This experiment needs to be done indoors to reduce the interference of sunlight on the infrared receiver.</a:t>
             </a:r>
-            <a:endParaRPr sz="2400" b="1" dirty="0">
+            <a:endParaRPr sz="1400" b="1" dirty="0">
               <a:solidFill>
                 <a:srgbClr val="FF0000"/>
+              </a:solidFill>
+              <a:latin typeface="华文中宋" charset="-122"/>
+              <a:ea typeface="华文中宋" charset="-122"/>
+              <a:cs typeface="华文中宋" charset="-122"/>
+            </a:endParaRPr>
+          </a:p>
+          <a:p>
+            <a:pPr algn="just"/>
+            <a:r>
+              <a:rPr lang="en-US" sz="1400" b="1" dirty="0">
+                <a:solidFill>
+                  <a:srgbClr val="FF0000"/>
+                </a:solidFill>
+                <a:latin typeface="华文中宋" charset="-122"/>
+                <a:ea typeface="华文中宋" charset="-122"/>
+                <a:cs typeface="华文中宋" charset="-122"/>
+              </a:rPr>
+              <a:t>2. </a:t>
+            </a:r>
+            <a:r>
+              <a:rPr sz="1400" b="1" dirty="0">
+                <a:solidFill>
+                  <a:srgbClr val="FF0000"/>
+                </a:solidFill>
+                <a:latin typeface="华文中宋" charset="-122"/>
+                <a:ea typeface="华文中宋" charset="-122"/>
+                <a:cs typeface="华文中宋" charset="-122"/>
+              </a:rPr>
+              <a:t>Since there are always some problems with the infrared expansion package, and Microbit has not solved this problem.</a:t>
+            </a:r>
+            <a:endParaRPr sz="1400" b="1" dirty="0">
+              <a:solidFill>
+                <a:srgbClr val="FF0000"/>
+              </a:solidFill>
+              <a:latin typeface="华文中宋" charset="-122"/>
+              <a:ea typeface="华文中宋" charset="-122"/>
+              <a:cs typeface="华文中宋" charset="-122"/>
+            </a:endParaRPr>
+          </a:p>
+          <a:p>
+            <a:pPr algn="just"/>
+            <a:endParaRPr sz="1400" b="1" dirty="0">
+              <a:solidFill>
+                <a:srgbClr val="FF0000"/>
+              </a:solidFill>
+              <a:latin typeface="华文中宋" charset="-122"/>
+              <a:ea typeface="华文中宋" charset="-122"/>
+              <a:cs typeface="华文中宋" charset="-122"/>
+            </a:endParaRPr>
+          </a:p>
+          <a:p>
+            <a:pPr algn="just"/>
+            <a:r>
+              <a:rPr sz="1400" b="1" dirty="0">
+                <a:solidFill>
+                  <a:srgbClr val="00B050"/>
+                </a:solidFill>
+                <a:latin typeface="华文中宋" charset="-122"/>
+                <a:ea typeface="华文中宋" charset="-122"/>
+                <a:cs typeface="华文中宋" charset="-122"/>
+              </a:rPr>
+              <a:t>Case1: If you are using the Microbit V1 board, please use the hex file provided by us directly, and do not open the hex file in the MakeCode graphical programming interface, otherwise it will cause some errors, and the infrared remote control function cannot be realized.</a:t>
+            </a:r>
+            <a:endParaRPr sz="1400" b="1" dirty="0">
+              <a:solidFill>
+                <a:srgbClr val="00B050"/>
+              </a:solidFill>
+              <a:latin typeface="华文中宋" charset="-122"/>
+              <a:ea typeface="华文中宋" charset="-122"/>
+              <a:cs typeface="华文中宋" charset="-122"/>
+            </a:endParaRPr>
+          </a:p>
+          <a:p>
+            <a:pPr algn="just"/>
+            <a:endParaRPr sz="1400" b="1" dirty="0">
+              <a:solidFill>
+                <a:srgbClr val="FF0000"/>
+              </a:solidFill>
+              <a:latin typeface="华文中宋" charset="-122"/>
+              <a:ea typeface="华文中宋" charset="-122"/>
+              <a:cs typeface="华文中宋" charset="-122"/>
+            </a:endParaRPr>
+          </a:p>
+          <a:p>
+            <a:pPr algn="l"/>
+            <a:r>
+              <a:rPr sz="1400" b="1" dirty="0">
+                <a:solidFill>
+                  <a:srgbClr val="00B0F0"/>
+                </a:solidFill>
+                <a:latin typeface="华文中宋" charset="-122"/>
+                <a:ea typeface="华文中宋" charset="-122"/>
+                <a:cs typeface="华文中宋" charset="-122"/>
+              </a:rPr>
+              <a:t>Case2: If you are using a Microbit V2 board, you can use this expansion pack. https://github.com/YahboomTechnology/Yahboom_IR_V2</a:t>
+            </a:r>
+            <a:endParaRPr sz="1400" b="1" dirty="0">
+              <a:solidFill>
+                <a:srgbClr val="00B0F0"/>
               </a:solidFill>
               <a:latin typeface="华文中宋" charset="-122"/>
               <a:ea typeface="华文中宋" charset="-122"/>
@@ -16631,7 +16741,18 @@
                 <a:ea typeface="华文中宋" charset="-122"/>
                 <a:cs typeface="华文中宋" charset="-122"/>
               </a:rPr>
-              <a:t>https://github.com/YahboomTechnology/Yahboom_IR </a:t>
+              <a:t>https://github.com/YahboomTechnology/Yahboom_IR_V2 </a:t>
+            </a:r>
+            <a:r>
+              <a:rPr lang="en-US" b="1" dirty="0">
+                <a:solidFill>
+                  <a:srgbClr val="FF0000"/>
+                </a:solidFill>
+                <a:latin typeface="华文中宋" charset="-122"/>
+                <a:ea typeface="华文中宋" charset="-122"/>
+                <a:cs typeface="华文中宋" charset="-122"/>
+              </a:rPr>
+              <a:t> </a:t>
             </a:r>
             <a:r>
               <a:rPr b="1" dirty="0">
@@ -16731,7 +16852,7 @@
                 <a:cs typeface="华文中宋" charset="-122"/>
                 <a:sym typeface="+mn-ea"/>
               </a:rPr>
-              <a:t>https://github.com/YahboomTechnology/Yahboom_IR</a:t>
+              <a:t>https://github.com/YahboomTechnology/Yahboom_IR_V2 </a:t>
             </a:r>
             <a:r>
               <a:rPr lang="en-US" b="1" dirty="0">
